--- a/Presented-Problems/Turcu Gabriel - Rfinv.pptx
+++ b/Presented-Problems/Turcu Gabriel - Rfinv.pptx
@@ -13,6 +13,9 @@
     <p:sldId id="261" r:id="rId7"/>
     <p:sldId id="262" r:id="rId8"/>
     <p:sldId id="263" r:id="rId9"/>
+    <p:sldId id="264" r:id="rId10"/>
+    <p:sldId id="266" r:id="rId11"/>
+    <p:sldId id="265" r:id="rId12"/>
   </p:sldIdLst>
   <p:sldSz cx="9144000" cy="6858000" type="screen4x3"/>
   <p:notesSz cx="6858000" cy="9144000"/>
@@ -306,7 +309,7 @@
           <a:p>
             <a:fld id="{9DEAE7FC-63DB-4BF2-B5A4-D60D12C667F9}" type="datetimeFigureOut">
               <a:rPr lang="en-US" smtClean="0"/>
-              <a:t>10-Jan-17</a:t>
+              <a:t>22-Feb-17</a:t>
             </a:fld>
             <a:endParaRPr lang="en-US"/>
           </a:p>
@@ -471,7 +474,7 @@
           <a:p>
             <a:fld id="{9DEAE7FC-63DB-4BF2-B5A4-D60D12C667F9}" type="datetimeFigureOut">
               <a:rPr lang="en-US" smtClean="0"/>
-              <a:t>10-Jan-17</a:t>
+              <a:t>22-Feb-17</a:t>
             </a:fld>
             <a:endParaRPr lang="en-US"/>
           </a:p>
@@ -646,7 +649,7 @@
           <a:p>
             <a:fld id="{9DEAE7FC-63DB-4BF2-B5A4-D60D12C667F9}" type="datetimeFigureOut">
               <a:rPr lang="en-US" smtClean="0"/>
-              <a:t>10-Jan-17</a:t>
+              <a:t>22-Feb-17</a:t>
             </a:fld>
             <a:endParaRPr lang="en-US"/>
           </a:p>
@@ -829,7 +832,7 @@
           <a:p>
             <a:fld id="{9DEAE7FC-63DB-4BF2-B5A4-D60D12C667F9}" type="datetimeFigureOut">
               <a:rPr lang="en-US" smtClean="0"/>
-              <a:t>10-Jan-17</a:t>
+              <a:t>22-Feb-17</a:t>
             </a:fld>
             <a:endParaRPr lang="en-US"/>
           </a:p>
@@ -1091,7 +1094,7 @@
           <a:p>
             <a:fld id="{9DEAE7FC-63DB-4BF2-B5A4-D60D12C667F9}" type="datetimeFigureOut">
               <a:rPr lang="en-US" smtClean="0"/>
-              <a:t>10-Jan-17</a:t>
+              <a:t>22-Feb-17</a:t>
             </a:fld>
             <a:endParaRPr lang="en-US"/>
           </a:p>
@@ -1439,7 +1442,7 @@
           <a:p>
             <a:fld id="{9DEAE7FC-63DB-4BF2-B5A4-D60D12C667F9}" type="datetimeFigureOut">
               <a:rPr lang="en-US" smtClean="0"/>
-              <a:t>10-Jan-17</a:t>
+              <a:t>22-Feb-17</a:t>
             </a:fld>
             <a:endParaRPr lang="en-US"/>
           </a:p>
@@ -1747,7 +1750,7 @@
           <a:p>
             <a:fld id="{9DEAE7FC-63DB-4BF2-B5A4-D60D12C667F9}" type="datetimeFigureOut">
               <a:rPr lang="en-US" smtClean="0"/>
-              <a:t>10-Jan-17</a:t>
+              <a:t>22-Feb-17</a:t>
             </a:fld>
             <a:endParaRPr lang="en-US"/>
           </a:p>
@@ -1974,7 +1977,7 @@
           <a:p>
             <a:fld id="{9DEAE7FC-63DB-4BF2-B5A4-D60D12C667F9}" type="datetimeFigureOut">
               <a:rPr lang="en-US" smtClean="0"/>
-              <a:t>10-Jan-17</a:t>
+              <a:t>22-Feb-17</a:t>
             </a:fld>
             <a:endParaRPr lang="en-US"/>
           </a:p>
@@ -2064,7 +2067,7 @@
           <a:p>
             <a:fld id="{9DEAE7FC-63DB-4BF2-B5A4-D60D12C667F9}" type="datetimeFigureOut">
               <a:rPr lang="en-US" smtClean="0"/>
-              <a:t>10-Jan-17</a:t>
+              <a:t>22-Feb-17</a:t>
             </a:fld>
             <a:endParaRPr lang="en-US"/>
           </a:p>
@@ -2352,7 +2355,7 @@
           <a:p>
             <a:fld id="{9DEAE7FC-63DB-4BF2-B5A4-D60D12C667F9}" type="datetimeFigureOut">
               <a:rPr lang="en-US" smtClean="0"/>
-              <a:t>10-Jan-17</a:t>
+              <a:t>22-Feb-17</a:t>
             </a:fld>
             <a:endParaRPr lang="en-US"/>
           </a:p>
@@ -2621,7 +2624,7 @@
           <a:p>
             <a:fld id="{9DEAE7FC-63DB-4BF2-B5A4-D60D12C667F9}" type="datetimeFigureOut">
               <a:rPr lang="en-US" smtClean="0"/>
-              <a:t>10-Jan-17</a:t>
+              <a:t>22-Feb-17</a:t>
             </a:fld>
             <a:endParaRPr lang="en-US"/>
           </a:p>
@@ -2831,7 +2834,7 @@
           <a:p>
             <a:fld id="{9DEAE7FC-63DB-4BF2-B5A4-D60D12C667F9}" type="datetimeFigureOut">
               <a:rPr lang="en-US" smtClean="0"/>
-              <a:t>10-Jan-17</a:t>
+              <a:t>22-Feb-17</a:t>
             </a:fld>
             <a:endParaRPr lang="en-US"/>
           </a:p>
@@ -3333,7 +3336,7 @@
 </file>
 
 <file path=ppt/slides/slide1.xml><?xml version="1.0" encoding="utf-8"?>
-<p:sld xmlns:a="http://schemas.openxmlformats.org/drawingml/2006/main" xmlns:r="http://schemas.openxmlformats.org/officeDocument/2006/relationships" xmlns:p="http://schemas.openxmlformats.org/presentationml/2006/main">
+<p:sld xmlns:a="http://schemas.openxmlformats.org/drawingml/2006/main" xmlns:r="http://schemas.openxmlformats.org/officeDocument/2006/relationships" xmlns:p="http://schemas.openxmlformats.org/presentationml/2006/main" showMasterSp="0">
   <p:cSld>
     <p:spTree>
       <p:nvGrpSpPr>
@@ -3359,7 +3362,12 @@
             <p:ph type="ctrTitle"/>
           </p:nvPr>
         </p:nvSpPr>
-        <p:spPr/>
+        <p:spPr>
+          <a:xfrm>
+            <a:off x="762000" y="-1066800"/>
+            <a:ext cx="7772400" cy="4267200"/>
+          </a:xfrm>
+        </p:spPr>
         <p:txBody>
           <a:bodyPr/>
           <a:lstStyle/>
@@ -3390,9 +3398,16 @@
             <p:ph type="subTitle" idx="1"/>
           </p:nvPr>
         </p:nvSpPr>
-        <p:spPr/>
-        <p:txBody>
-          <a:bodyPr/>
+        <p:spPr>
+          <a:xfrm>
+            <a:off x="1447800" y="3124200"/>
+            <a:ext cx="6400800" cy="1219200"/>
+          </a:xfrm>
+        </p:spPr>
+        <p:txBody>
+          <a:bodyPr>
+            <a:normAutofit fontScale="85000" lnSpcReduction="20000"/>
+          </a:bodyPr>
           <a:lstStyle/>
           <a:p>
             <a:r>
@@ -3403,9 +3418,212 @@
               <a:rPr lang="en-US" dirty="0"/>
               <a:t> Gabriel </a:t>
             </a:r>
-          </a:p>
-        </p:txBody>
-      </p:sp>
+            <a:endParaRPr lang="en-US" dirty="0" smtClean="0"/>
+          </a:p>
+          <a:p>
+            <a:endParaRPr lang="en-US" dirty="0" smtClean="0"/>
+          </a:p>
+          <a:p>
+            <a:r>
+              <a:rPr lang="en-US" dirty="0" err="1" smtClean="0"/>
+              <a:t>Prezentare</a:t>
+            </a:r>
+            <a:r>
+              <a:rPr lang="en-US" dirty="0" smtClean="0"/>
+              <a:t> </a:t>
+            </a:r>
+            <a:r>
+              <a:rPr lang="en-US" dirty="0" err="1" smtClean="0"/>
+              <a:t>facuta</a:t>
+            </a:r>
+            <a:r>
+              <a:rPr lang="en-US" dirty="0" smtClean="0"/>
+              <a:t> </a:t>
+            </a:r>
+            <a:r>
+              <a:rPr lang="en-US" dirty="0"/>
+              <a:t>in </a:t>
+            </a:r>
+            <a:r>
+              <a:rPr lang="en-US" dirty="0" err="1"/>
+              <a:t>cadrul</a:t>
+            </a:r>
+            <a:r>
+              <a:rPr lang="en-US" dirty="0"/>
+              <a:t> </a:t>
+            </a:r>
+            <a:r>
+              <a:rPr lang="en-US" dirty="0" err="1"/>
+              <a:t>Cercului</a:t>
+            </a:r>
+            <a:r>
+              <a:rPr lang="en-US" dirty="0"/>
+              <a:t> de </a:t>
+            </a:r>
+            <a:r>
+              <a:rPr lang="en-US" dirty="0" err="1"/>
+              <a:t>Programarea</a:t>
+            </a:r>
+            <a:r>
+              <a:rPr lang="en-US" dirty="0"/>
+              <a:t> </a:t>
+            </a:r>
+            <a:r>
+              <a:rPr lang="en-US" dirty="0" err="1"/>
+              <a:t>Calculatoarelor</a:t>
+            </a:r>
+            <a:r>
+              <a:rPr lang="en-US" dirty="0"/>
+              <a:t> </a:t>
+            </a:r>
+            <a:r>
+              <a:rPr lang="en-US" dirty="0" err="1"/>
+              <a:t>si</a:t>
+            </a:r>
+            <a:r>
+              <a:rPr lang="en-US" dirty="0"/>
+              <a:t> </a:t>
+            </a:r>
+            <a:r>
+              <a:rPr lang="en-US" dirty="0" err="1"/>
+              <a:t>Algoritmica</a:t>
+            </a:r>
+            <a:endParaRPr lang="en-US" dirty="0"/>
+          </a:p>
+        </p:txBody>
+      </p:sp>
+      <p:pic>
+        <p:nvPicPr>
+          <p:cNvPr id="4" name="Picture 2" descr="C:\Users\Mickey\Desktop\logoNetRom.png"/>
+          <p:cNvPicPr>
+            <a:picLocks noChangeAspect="1" noChangeArrowheads="1"/>
+          </p:cNvPicPr>
+          <p:nvPr/>
+        </p:nvPicPr>
+        <p:blipFill>
+          <a:blip r:embed="rId2">
+            <a:extLst>
+              <a:ext uri="{28A0092B-C50C-407E-A947-70E740481C1C}">
+                <a14:useLocalDpi xmlns:a14="http://schemas.microsoft.com/office/drawing/2010/main" val="0"/>
+              </a:ext>
+            </a:extLst>
+          </a:blip>
+          <a:srcRect/>
+          <a:stretch>
+            <a:fillRect/>
+          </a:stretch>
+        </p:blipFill>
+        <p:spPr bwMode="auto">
+          <a:xfrm>
+            <a:off x="609600" y="5273349"/>
+            <a:ext cx="1143000" cy="1323975"/>
+          </a:xfrm>
+          <a:prstGeom prst="rect">
+            <a:avLst/>
+          </a:prstGeom>
+          <a:noFill/>
+          <a:extLst>
+            <a:ext uri="{909E8E84-426E-40DD-AFC4-6F175D3DCCD1}">
+              <a14:hiddenFill xmlns:a14="http://schemas.microsoft.com/office/drawing/2010/main">
+                <a:solidFill>
+                  <a:srgbClr val="FFFFFF"/>
+                </a:solidFill>
+              </a14:hiddenFill>
+            </a:ext>
+          </a:extLst>
+        </p:spPr>
+      </p:pic>
+      <p:pic>
+        <p:nvPicPr>
+          <p:cNvPr id="5" name="Picture 3" descr="C:\Users\Mickey\Desktop\logo_ace.png"/>
+          <p:cNvPicPr>
+            <a:picLocks noChangeAspect="1" noChangeArrowheads="1"/>
+          </p:cNvPicPr>
+          <p:nvPr/>
+        </p:nvPicPr>
+        <p:blipFill>
+          <a:blip r:embed="rId3">
+            <a:extLst>
+              <a:ext uri="{28A0092B-C50C-407E-A947-70E740481C1C}">
+                <a14:useLocalDpi xmlns:a14="http://schemas.microsoft.com/office/drawing/2010/main" val="0"/>
+              </a:ext>
+            </a:extLst>
+          </a:blip>
+          <a:srcRect/>
+          <a:stretch>
+            <a:fillRect/>
+          </a:stretch>
+        </p:blipFill>
+        <p:spPr bwMode="auto">
+          <a:xfrm>
+            <a:off x="2209800" y="5500688"/>
+            <a:ext cx="3895725" cy="866775"/>
+          </a:xfrm>
+          <a:prstGeom prst="rect">
+            <a:avLst/>
+          </a:prstGeom>
+          <a:ln w="228600" cap="sq" cmpd="thickThin">
+            <a:noFill/>
+            <a:prstDash val="solid"/>
+            <a:miter lim="800000"/>
+          </a:ln>
+          <a:effectLst>
+            <a:innerShdw blurRad="76200">
+              <a:srgbClr val="000000"/>
+            </a:innerShdw>
+          </a:effectLst>
+          <a:extLst>
+            <a:ext uri="{909E8E84-426E-40DD-AFC4-6F175D3DCCD1}">
+              <a14:hiddenFill xmlns:a14="http://schemas.microsoft.com/office/drawing/2010/main">
+                <a:solidFill>
+                  <a:srgbClr val="FFFFFF"/>
+                </a:solidFill>
+              </a14:hiddenFill>
+            </a:ext>
+          </a:extLst>
+        </p:spPr>
+      </p:pic>
+      <p:pic>
+        <p:nvPicPr>
+          <p:cNvPr id="6" name="Picture 4" descr="C:\Users\Mickey\Desktop\small-logo-caphyon.png"/>
+          <p:cNvPicPr>
+            <a:picLocks noChangeAspect="1" noChangeArrowheads="1"/>
+          </p:cNvPicPr>
+          <p:nvPr/>
+        </p:nvPicPr>
+        <p:blipFill>
+          <a:blip r:embed="rId4">
+            <a:extLst>
+              <a:ext uri="{28A0092B-C50C-407E-A947-70E740481C1C}">
+                <a14:useLocalDpi xmlns:a14="http://schemas.microsoft.com/office/drawing/2010/main" val="0"/>
+              </a:ext>
+            </a:extLst>
+          </a:blip>
+          <a:srcRect/>
+          <a:stretch>
+            <a:fillRect/>
+          </a:stretch>
+        </p:blipFill>
+        <p:spPr bwMode="auto">
+          <a:xfrm>
+            <a:off x="6429375" y="5600700"/>
+            <a:ext cx="2524125" cy="666750"/>
+          </a:xfrm>
+          <a:prstGeom prst="rect">
+            <a:avLst/>
+          </a:prstGeom>
+          <a:noFill/>
+          <a:extLst>
+            <a:ext uri="{909E8E84-426E-40DD-AFC4-6F175D3DCCD1}">
+              <a14:hiddenFill xmlns:a14="http://schemas.microsoft.com/office/drawing/2010/main">
+                <a:solidFill>
+                  <a:srgbClr val="FFFFFF"/>
+                </a:solidFill>
+              </a14:hiddenFill>
+            </a:ext>
+          </a:extLst>
+        </p:spPr>
+      </p:pic>
     </p:spTree>
     <p:extLst>
       <p:ext uri="{BB962C8B-B14F-4D97-AF65-F5344CB8AC3E}">
@@ -3426,8 +3644,546 @@
 </p:sld>
 </file>
 
+<file path=ppt/slides/slide10.xml><?xml version="1.0" encoding="utf-8"?>
+<p:sld xmlns:a="http://schemas.openxmlformats.org/drawingml/2006/main" xmlns:r="http://schemas.openxmlformats.org/officeDocument/2006/relationships" xmlns:p="http://schemas.openxmlformats.org/presentationml/2006/main" showMasterSp="0">
+  <p:cSld>
+    <p:spTree>
+      <p:nvGrpSpPr>
+        <p:cNvPr id="1" name=""/>
+        <p:cNvGrpSpPr/>
+        <p:nvPr/>
+      </p:nvGrpSpPr>
+      <p:grpSpPr>
+        <a:xfrm>
+          <a:off x="0" y="0"/>
+          <a:ext cx="0" cy="0"/>
+          <a:chOff x="0" y="0"/>
+          <a:chExt cx="0" cy="0"/>
+        </a:xfrm>
+      </p:grpSpPr>
+      <p:sp>
+        <p:nvSpPr>
+          <p:cNvPr id="2" name="Title 1"/>
+          <p:cNvSpPr>
+            <a:spLocks noGrp="1"/>
+          </p:cNvSpPr>
+          <p:nvPr>
+            <p:ph type="title"/>
+          </p:nvPr>
+        </p:nvSpPr>
+        <p:spPr/>
+        <p:txBody>
+          <a:bodyPr/>
+          <a:lstStyle/>
+          <a:p>
+            <a:r>
+              <a:rPr lang="en-US" dirty="0" smtClean="0"/>
+              <a:t>Code Snippets</a:t>
+            </a:r>
+            <a:endParaRPr lang="en-US" dirty="0"/>
+          </a:p>
+        </p:txBody>
+      </p:sp>
+      <p:sp>
+        <p:nvSpPr>
+          <p:cNvPr id="3" name="Content Placeholder 2"/>
+          <p:cNvSpPr>
+            <a:spLocks noGrp="1"/>
+          </p:cNvSpPr>
+          <p:nvPr>
+            <p:ph idx="1"/>
+          </p:nvPr>
+        </p:nvSpPr>
+        <p:spPr>
+          <a:xfrm>
+            <a:off x="304800" y="1600200"/>
+            <a:ext cx="8839200" cy="4525963"/>
+          </a:xfrm>
+        </p:spPr>
+        <p:txBody>
+          <a:bodyPr/>
+          <a:lstStyle/>
+          <a:p>
+            <a:r>
+              <a:rPr lang="en-US" dirty="0" err="1" smtClean="0"/>
+              <a:t>Aplicarea</a:t>
+            </a:r>
+            <a:r>
+              <a:rPr lang="en-US" dirty="0" smtClean="0"/>
+              <a:t> </a:t>
+            </a:r>
+            <a:r>
+              <a:rPr lang="en-US" dirty="0" err="1" smtClean="0"/>
+              <a:t>algoritmului</a:t>
+            </a:r>
+            <a:r>
+              <a:rPr lang="en-US" dirty="0" smtClean="0"/>
+              <a:t> Roy-Floyd </a:t>
+            </a:r>
+            <a:r>
+              <a:rPr lang="en-US" dirty="0" err="1" smtClean="0"/>
+              <a:t>pe</a:t>
+            </a:r>
+            <a:r>
+              <a:rPr lang="en-US" dirty="0" smtClean="0"/>
+              <a:t> </a:t>
+            </a:r>
+            <a:r>
+              <a:rPr lang="en-US" dirty="0" err="1" smtClean="0"/>
+              <a:t>matrice</a:t>
+            </a:r>
+            <a:r>
+              <a:rPr lang="en-US" dirty="0" smtClean="0"/>
+              <a:t>.</a:t>
+            </a:r>
+          </a:p>
+          <a:p>
+            <a:endParaRPr lang="en-US" dirty="0" smtClean="0"/>
+          </a:p>
+          <a:p>
+            <a:endParaRPr lang="en-US" dirty="0"/>
+          </a:p>
+          <a:p>
+            <a:endParaRPr lang="en-US" dirty="0" smtClean="0"/>
+          </a:p>
+          <a:p>
+            <a:endParaRPr lang="en-US" dirty="0" smtClean="0"/>
+          </a:p>
+          <a:p>
+            <a:r>
+              <a:rPr lang="en-US" dirty="0" err="1" smtClean="0"/>
+              <a:t>Compararea</a:t>
+            </a:r>
+            <a:r>
+              <a:rPr lang="en-US" dirty="0" smtClean="0"/>
+              <a:t> cu </a:t>
+            </a:r>
+            <a:r>
+              <a:rPr lang="en-US" dirty="0" err="1" smtClean="0"/>
+              <a:t>matricea</a:t>
+            </a:r>
+            <a:r>
+              <a:rPr lang="en-US" dirty="0" smtClean="0"/>
+              <a:t> </a:t>
+            </a:r>
+            <a:r>
+              <a:rPr lang="en-US" dirty="0" err="1" smtClean="0"/>
+              <a:t>initiala</a:t>
+            </a:r>
+            <a:r>
+              <a:rPr lang="en-US" dirty="0"/>
+              <a:t> </a:t>
+            </a:r>
+            <a:r>
+              <a:rPr lang="en-US" dirty="0" err="1" smtClean="0"/>
+              <a:t>si</a:t>
+            </a:r>
+            <a:r>
+              <a:rPr lang="en-US" dirty="0" smtClean="0"/>
+              <a:t> </a:t>
+            </a:r>
+            <a:r>
+              <a:rPr lang="en-US" dirty="0" err="1" smtClean="0"/>
+              <a:t>afisarea</a:t>
+            </a:r>
+            <a:r>
+              <a:rPr lang="en-US" dirty="0" smtClean="0"/>
+              <a:t> </a:t>
+            </a:r>
+            <a:r>
+              <a:rPr lang="en-US" dirty="0" err="1" smtClean="0"/>
+              <a:t>rezultatului</a:t>
+            </a:r>
+            <a:r>
+              <a:rPr lang="en-US" dirty="0" smtClean="0"/>
+              <a:t>.</a:t>
+            </a:r>
+          </a:p>
+          <a:p>
+            <a:endParaRPr lang="en-US" dirty="0"/>
+          </a:p>
+        </p:txBody>
+      </p:sp>
+      <p:pic>
+        <p:nvPicPr>
+          <p:cNvPr id="2050" name="Picture 2"/>
+          <p:cNvPicPr>
+            <a:picLocks noChangeAspect="1" noChangeArrowheads="1"/>
+          </p:cNvPicPr>
+          <p:nvPr/>
+        </p:nvPicPr>
+        <p:blipFill>
+          <a:blip r:embed="rId2">
+            <a:extLst>
+              <a:ext uri="{28A0092B-C50C-407E-A947-70E740481C1C}">
+                <a14:useLocalDpi xmlns:a14="http://schemas.microsoft.com/office/drawing/2010/main" val="0"/>
+              </a:ext>
+            </a:extLst>
+          </a:blip>
+          <a:srcRect/>
+          <a:stretch>
+            <a:fillRect/>
+          </a:stretch>
+        </p:blipFill>
+        <p:spPr bwMode="auto">
+          <a:xfrm>
+            <a:off x="381000" y="2271562"/>
+            <a:ext cx="8288323" cy="1219200"/>
+          </a:xfrm>
+          <a:prstGeom prst="rect">
+            <a:avLst/>
+          </a:prstGeom>
+          <a:noFill/>
+          <a:ln>
+            <a:noFill/>
+          </a:ln>
+          <a:effectLst/>
+          <a:extLst>
+            <a:ext uri="{909E8E84-426E-40DD-AFC4-6F175D3DCCD1}">
+              <a14:hiddenFill xmlns:a14="http://schemas.microsoft.com/office/drawing/2010/main">
+                <a:solidFill>
+                  <a:schemeClr val="accent1"/>
+                </a:solidFill>
+              </a14:hiddenFill>
+            </a:ext>
+            <a:ext uri="{91240B29-F687-4F45-9708-019B960494DF}">
+              <a14:hiddenLine xmlns:a14="http://schemas.microsoft.com/office/drawing/2010/main" w="9525">
+                <a:solidFill>
+                  <a:schemeClr val="tx1"/>
+                </a:solidFill>
+                <a:miter lim="800000"/>
+                <a:headEnd/>
+                <a:tailEnd/>
+              </a14:hiddenLine>
+            </a:ext>
+            <a:ext uri="{AF507438-7753-43E0-B8FC-AC1667EBCBE1}">
+              <a14:hiddenEffects xmlns:a14="http://schemas.microsoft.com/office/drawing/2010/main">
+                <a:effectLst>
+                  <a:outerShdw dist="35921" dir="2700000" algn="ctr" rotWithShape="0">
+                    <a:schemeClr val="bg2"/>
+                  </a:outerShdw>
+                </a:effectLst>
+              </a14:hiddenEffects>
+            </a:ext>
+          </a:extLst>
+        </p:spPr>
+      </p:pic>
+      <p:pic>
+        <p:nvPicPr>
+          <p:cNvPr id="2051" name="Picture 3"/>
+          <p:cNvPicPr>
+            <a:picLocks noChangeAspect="1" noChangeArrowheads="1"/>
+          </p:cNvPicPr>
+          <p:nvPr/>
+        </p:nvPicPr>
+        <p:blipFill>
+          <a:blip r:embed="rId3">
+            <a:extLst>
+              <a:ext uri="{28A0092B-C50C-407E-A947-70E740481C1C}">
+                <a14:useLocalDpi xmlns:a14="http://schemas.microsoft.com/office/drawing/2010/main" val="0"/>
+              </a:ext>
+            </a:extLst>
+          </a:blip>
+          <a:srcRect/>
+          <a:stretch>
+            <a:fillRect/>
+          </a:stretch>
+        </p:blipFill>
+        <p:spPr bwMode="auto">
+          <a:xfrm>
+            <a:off x="381000" y="4495800"/>
+            <a:ext cx="4752975" cy="1910709"/>
+          </a:xfrm>
+          <a:prstGeom prst="rect">
+            <a:avLst/>
+          </a:prstGeom>
+          <a:noFill/>
+          <a:ln>
+            <a:noFill/>
+          </a:ln>
+          <a:effectLst/>
+          <a:extLst>
+            <a:ext uri="{909E8E84-426E-40DD-AFC4-6F175D3DCCD1}">
+              <a14:hiddenFill xmlns:a14="http://schemas.microsoft.com/office/drawing/2010/main">
+                <a:solidFill>
+                  <a:schemeClr val="accent1"/>
+                </a:solidFill>
+              </a14:hiddenFill>
+            </a:ext>
+            <a:ext uri="{91240B29-F687-4F45-9708-019B960494DF}">
+              <a14:hiddenLine xmlns:a14="http://schemas.microsoft.com/office/drawing/2010/main" w="9525">
+                <a:solidFill>
+                  <a:schemeClr val="tx1"/>
+                </a:solidFill>
+                <a:miter lim="800000"/>
+                <a:headEnd/>
+                <a:tailEnd/>
+              </a14:hiddenLine>
+            </a:ext>
+            <a:ext uri="{AF507438-7753-43E0-B8FC-AC1667EBCBE1}">
+              <a14:hiddenEffects xmlns:a14="http://schemas.microsoft.com/office/drawing/2010/main">
+                <a:effectLst>
+                  <a:outerShdw dist="35921" dir="2700000" algn="ctr" rotWithShape="0">
+                    <a:schemeClr val="bg2"/>
+                  </a:outerShdw>
+                </a:effectLst>
+              </a14:hiddenEffects>
+            </a:ext>
+          </a:extLst>
+        </p:spPr>
+      </p:pic>
+    </p:spTree>
+    <p:extLst>
+      <p:ext uri="{BB962C8B-B14F-4D97-AF65-F5344CB8AC3E}">
+        <p14:creationId xmlns:p14="http://schemas.microsoft.com/office/powerpoint/2010/main" val="1988475476"/>
+      </p:ext>
+    </p:extLst>
+  </p:cSld>
+  <p:clrMapOvr>
+    <a:masterClrMapping/>
+  </p:clrMapOvr>
+  <p:timing>
+    <p:tnLst>
+      <p:par>
+        <p:cTn id="1" dur="indefinite" restart="never" nodeType="tmRoot"/>
+      </p:par>
+    </p:tnLst>
+  </p:timing>
+</p:sld>
+</file>
+
+<file path=ppt/slides/slide11.xml><?xml version="1.0" encoding="utf-8"?>
+<p:sld xmlns:a="http://schemas.openxmlformats.org/drawingml/2006/main" xmlns:r="http://schemas.openxmlformats.org/officeDocument/2006/relationships" xmlns:p="http://schemas.openxmlformats.org/presentationml/2006/main" showMasterSp="0">
+  <p:cSld>
+    <p:spTree>
+      <p:nvGrpSpPr>
+        <p:cNvPr id="1" name=""/>
+        <p:cNvGrpSpPr/>
+        <p:nvPr/>
+      </p:nvGrpSpPr>
+      <p:grpSpPr>
+        <a:xfrm>
+          <a:off x="0" y="0"/>
+          <a:ext cx="0" cy="0"/>
+          <a:chOff x="0" y="0"/>
+          <a:chExt cx="0" cy="0"/>
+        </a:xfrm>
+      </p:grpSpPr>
+      <p:sp>
+        <p:nvSpPr>
+          <p:cNvPr id="2" name="Content Placeholder 1"/>
+          <p:cNvSpPr>
+            <a:spLocks noGrp="1"/>
+          </p:cNvSpPr>
+          <p:nvPr>
+            <p:ph idx="1"/>
+          </p:nvPr>
+        </p:nvSpPr>
+        <p:spPr>
+          <a:xfrm>
+            <a:off x="3200400" y="1295400"/>
+            <a:ext cx="6096000" cy="3657599"/>
+          </a:xfrm>
+        </p:spPr>
+        <p:txBody>
+          <a:bodyPr/>
+          <a:lstStyle/>
+          <a:p>
+            <a:pPr marL="18288" indent="0">
+              <a:buNone/>
+            </a:pPr>
+            <a:endParaRPr lang="en-US" dirty="0" smtClean="0"/>
+          </a:p>
+          <a:p>
+            <a:pPr marL="18288" indent="0">
+              <a:buNone/>
+            </a:pPr>
+            <a:endParaRPr lang="en-US" dirty="0"/>
+          </a:p>
+          <a:p>
+            <a:pPr marL="18288" indent="0">
+              <a:buNone/>
+            </a:pPr>
+            <a:endParaRPr lang="en-US" dirty="0" smtClean="0"/>
+          </a:p>
+          <a:p>
+            <a:pPr marL="18288" indent="0">
+              <a:buNone/>
+            </a:pPr>
+            <a:r>
+              <a:rPr lang="en-US" dirty="0" smtClean="0"/>
+              <a:t> </a:t>
+            </a:r>
+            <a:r>
+              <a:rPr lang="en-US" sz="3600" dirty="0" err="1" smtClean="0"/>
+              <a:t>Intrebari</a:t>
+            </a:r>
+            <a:r>
+              <a:rPr lang="en-US" sz="3600" dirty="0" smtClean="0"/>
+              <a:t> </a:t>
+            </a:r>
+            <a:r>
+              <a:rPr lang="en-US" sz="3600" dirty="0"/>
+              <a:t>?</a:t>
+            </a:r>
+            <a:endParaRPr lang="en-US" dirty="0"/>
+          </a:p>
+        </p:txBody>
+      </p:sp>
+      <p:pic>
+        <p:nvPicPr>
+          <p:cNvPr id="7" name="Picture 3" descr="C:\Users\Mickey\Desktop\logo_ace.png"/>
+          <p:cNvPicPr>
+            <a:picLocks noChangeAspect="1" noChangeArrowheads="1"/>
+          </p:cNvPicPr>
+          <p:nvPr/>
+        </p:nvPicPr>
+        <p:blipFill>
+          <a:blip r:embed="rId2">
+            <a:extLst>
+              <a:ext uri="{28A0092B-C50C-407E-A947-70E740481C1C}">
+                <a14:useLocalDpi xmlns:a14="http://schemas.microsoft.com/office/drawing/2010/main" val="0"/>
+              </a:ext>
+            </a:extLst>
+          </a:blip>
+          <a:srcRect/>
+          <a:stretch>
+            <a:fillRect/>
+          </a:stretch>
+        </p:blipFill>
+        <p:spPr bwMode="auto">
+          <a:xfrm>
+            <a:off x="2209800" y="5500688"/>
+            <a:ext cx="3895725" cy="866775"/>
+          </a:xfrm>
+          <a:prstGeom prst="rect">
+            <a:avLst/>
+          </a:prstGeom>
+          <a:ln w="228600" cap="sq" cmpd="thickThin">
+            <a:noFill/>
+            <a:prstDash val="solid"/>
+            <a:miter lim="800000"/>
+          </a:ln>
+          <a:effectLst>
+            <a:innerShdw blurRad="76200">
+              <a:srgbClr val="000000"/>
+            </a:innerShdw>
+          </a:effectLst>
+          <a:extLst>
+            <a:ext uri="{909E8E84-426E-40DD-AFC4-6F175D3DCCD1}">
+              <a14:hiddenFill xmlns:a14="http://schemas.microsoft.com/office/drawing/2010/main">
+                <a:solidFill>
+                  <a:srgbClr val="FFFFFF"/>
+                </a:solidFill>
+              </a14:hiddenFill>
+            </a:ext>
+          </a:extLst>
+        </p:spPr>
+      </p:pic>
+      <p:pic>
+        <p:nvPicPr>
+          <p:cNvPr id="8" name="Picture 4" descr="C:\Users\Mickey\Desktop\small-logo-caphyon.png"/>
+          <p:cNvPicPr>
+            <a:picLocks noChangeAspect="1" noChangeArrowheads="1"/>
+          </p:cNvPicPr>
+          <p:nvPr/>
+        </p:nvPicPr>
+        <p:blipFill>
+          <a:blip r:embed="rId3">
+            <a:extLst>
+              <a:ext uri="{28A0092B-C50C-407E-A947-70E740481C1C}">
+                <a14:useLocalDpi xmlns:a14="http://schemas.microsoft.com/office/drawing/2010/main" val="0"/>
+              </a:ext>
+            </a:extLst>
+          </a:blip>
+          <a:srcRect/>
+          <a:stretch>
+            <a:fillRect/>
+          </a:stretch>
+        </p:blipFill>
+        <p:spPr bwMode="auto">
+          <a:xfrm>
+            <a:off x="6429375" y="5600700"/>
+            <a:ext cx="2524125" cy="666750"/>
+          </a:xfrm>
+          <a:prstGeom prst="rect">
+            <a:avLst/>
+          </a:prstGeom>
+          <a:noFill/>
+          <a:extLst>
+            <a:ext uri="{909E8E84-426E-40DD-AFC4-6F175D3DCCD1}">
+              <a14:hiddenFill xmlns:a14="http://schemas.microsoft.com/office/drawing/2010/main">
+                <a:solidFill>
+                  <a:srgbClr val="FFFFFF"/>
+                </a:solidFill>
+              </a14:hiddenFill>
+            </a:ext>
+          </a:extLst>
+        </p:spPr>
+      </p:pic>
+      <p:pic>
+        <p:nvPicPr>
+          <p:cNvPr id="9" name="Picture 2" descr="C:\Users\Mickey\Desktop\logoNetRom.png"/>
+          <p:cNvPicPr>
+            <a:picLocks noChangeAspect="1" noChangeArrowheads="1"/>
+          </p:cNvPicPr>
+          <p:nvPr/>
+        </p:nvPicPr>
+        <p:blipFill>
+          <a:blip r:embed="rId4">
+            <a:extLst>
+              <a:ext uri="{28A0092B-C50C-407E-A947-70E740481C1C}">
+                <a14:useLocalDpi xmlns:a14="http://schemas.microsoft.com/office/drawing/2010/main" val="0"/>
+              </a:ext>
+            </a:extLst>
+          </a:blip>
+          <a:srcRect/>
+          <a:stretch>
+            <a:fillRect/>
+          </a:stretch>
+        </p:blipFill>
+        <p:spPr bwMode="auto">
+          <a:xfrm>
+            <a:off x="609600" y="5273349"/>
+            <a:ext cx="1143000" cy="1323975"/>
+          </a:xfrm>
+          <a:prstGeom prst="rect">
+            <a:avLst/>
+          </a:prstGeom>
+          <a:noFill/>
+          <a:extLst>
+            <a:ext uri="{909E8E84-426E-40DD-AFC4-6F175D3DCCD1}">
+              <a14:hiddenFill xmlns:a14="http://schemas.microsoft.com/office/drawing/2010/main">
+                <a:solidFill>
+                  <a:srgbClr val="FFFFFF"/>
+                </a:solidFill>
+              </a14:hiddenFill>
+            </a:ext>
+          </a:extLst>
+        </p:spPr>
+      </p:pic>
+    </p:spTree>
+    <p:extLst>
+      <p:ext uri="{BB962C8B-B14F-4D97-AF65-F5344CB8AC3E}">
+        <p14:creationId xmlns:p14="http://schemas.microsoft.com/office/powerpoint/2010/main" val="3888050434"/>
+      </p:ext>
+    </p:extLst>
+  </p:cSld>
+  <p:clrMapOvr>
+    <a:masterClrMapping/>
+  </p:clrMapOvr>
+  <p:timing>
+    <p:tnLst>
+      <p:par>
+        <p:cTn id="1" dur="indefinite" restart="never" nodeType="tmRoot"/>
+      </p:par>
+    </p:tnLst>
+  </p:timing>
+</p:sld>
+</file>
+
 <file path=ppt/slides/slide2.xml><?xml version="1.0" encoding="utf-8"?>
-<p:sld xmlns:a="http://schemas.openxmlformats.org/drawingml/2006/main" xmlns:r="http://schemas.openxmlformats.org/officeDocument/2006/relationships" xmlns:p="http://schemas.openxmlformats.org/presentationml/2006/main">
+<p:sld xmlns:a="http://schemas.openxmlformats.org/drawingml/2006/main" xmlns:r="http://schemas.openxmlformats.org/officeDocument/2006/relationships" xmlns:p="http://schemas.openxmlformats.org/presentationml/2006/main" showMasterSp="0">
   <p:cSld>
     <p:spTree>
       <p:nvGrpSpPr>
@@ -3982,7 +4738,7 @@
 </file>
 
 <file path=ppt/slides/slide3.xml><?xml version="1.0" encoding="utf-8"?>
-<p:sld xmlns:a="http://schemas.openxmlformats.org/drawingml/2006/main" xmlns:r="http://schemas.openxmlformats.org/officeDocument/2006/relationships" xmlns:p="http://schemas.openxmlformats.org/presentationml/2006/main">
+<p:sld xmlns:a="http://schemas.openxmlformats.org/drawingml/2006/main" xmlns:r="http://schemas.openxmlformats.org/officeDocument/2006/relationships" xmlns:p="http://schemas.openxmlformats.org/presentationml/2006/main" showMasterSp="0">
   <p:cSld>
     <p:spTree>
       <p:nvGrpSpPr>
@@ -4303,7 +5059,7 @@
 </file>
 
 <file path=ppt/slides/slide4.xml><?xml version="1.0" encoding="utf-8"?>
-<p:sld xmlns:a="http://schemas.openxmlformats.org/drawingml/2006/main" xmlns:r="http://schemas.openxmlformats.org/officeDocument/2006/relationships" xmlns:p="http://schemas.openxmlformats.org/presentationml/2006/main">
+<p:sld xmlns:a="http://schemas.openxmlformats.org/drawingml/2006/main" xmlns:r="http://schemas.openxmlformats.org/officeDocument/2006/relationships" xmlns:p="http://schemas.openxmlformats.org/presentationml/2006/main" showMasterSp="0">
   <p:cSld>
     <p:spTree>
       <p:nvGrpSpPr>
@@ -4809,7 +5565,7 @@
 </file>
 
 <file path=ppt/slides/slide5.xml><?xml version="1.0" encoding="utf-8"?>
-<p:sld xmlns:a="http://schemas.openxmlformats.org/drawingml/2006/main" xmlns:r="http://schemas.openxmlformats.org/officeDocument/2006/relationships" xmlns:p="http://schemas.openxmlformats.org/presentationml/2006/main">
+<p:sld xmlns:a="http://schemas.openxmlformats.org/drawingml/2006/main" xmlns:r="http://schemas.openxmlformats.org/officeDocument/2006/relationships" xmlns:p="http://schemas.openxmlformats.org/presentationml/2006/main" showMasterSp="0">
   <p:cSld>
     <p:spTree>
       <p:nvGrpSpPr>
@@ -5369,7 +6125,7 @@
 </file>
 
 <file path=ppt/slides/slide6.xml><?xml version="1.0" encoding="utf-8"?>
-<p:sld xmlns:a="http://schemas.openxmlformats.org/drawingml/2006/main" xmlns:r="http://schemas.openxmlformats.org/officeDocument/2006/relationships" xmlns:p="http://schemas.openxmlformats.org/presentationml/2006/main">
+<p:sld xmlns:a="http://schemas.openxmlformats.org/drawingml/2006/main" xmlns:r="http://schemas.openxmlformats.org/officeDocument/2006/relationships" xmlns:p="http://schemas.openxmlformats.org/presentationml/2006/main" showMasterSp="0">
   <p:cSld>
     <p:spTree>
       <p:nvGrpSpPr>
@@ -5873,7 +6629,7 @@
 </file>
 
 <file path=ppt/slides/slide7.xml><?xml version="1.0" encoding="utf-8"?>
-<p:sld xmlns:a="http://schemas.openxmlformats.org/drawingml/2006/main" xmlns:r="http://schemas.openxmlformats.org/officeDocument/2006/relationships" xmlns:p="http://schemas.openxmlformats.org/presentationml/2006/main">
+<p:sld xmlns:a="http://schemas.openxmlformats.org/drawingml/2006/main" xmlns:r="http://schemas.openxmlformats.org/officeDocument/2006/relationships" xmlns:p="http://schemas.openxmlformats.org/presentationml/2006/main" showMasterSp="0">
   <p:cSld>
     <p:spTree>
       <p:nvGrpSpPr>
@@ -6143,7 +6899,7 @@
 </file>
 
 <file path=ppt/slides/slide8.xml><?xml version="1.0" encoding="utf-8"?>
-<p:sld xmlns:a="http://schemas.openxmlformats.org/drawingml/2006/main" xmlns:r="http://schemas.openxmlformats.org/officeDocument/2006/relationships" xmlns:p="http://schemas.openxmlformats.org/presentationml/2006/main">
+<p:sld xmlns:a="http://schemas.openxmlformats.org/drawingml/2006/main" xmlns:r="http://schemas.openxmlformats.org/officeDocument/2006/relationships" xmlns:p="http://schemas.openxmlformats.org/presentationml/2006/main" showMasterSp="0">
   <p:cSld>
     <p:spTree>
       <p:nvGrpSpPr>
@@ -6481,10 +7237,364 @@
 </p:sld>
 </file>
 
+<file path=ppt/slides/slide9.xml><?xml version="1.0" encoding="utf-8"?>
+<p:sld xmlns:a="http://schemas.openxmlformats.org/drawingml/2006/main" xmlns:r="http://schemas.openxmlformats.org/officeDocument/2006/relationships" xmlns:p="http://schemas.openxmlformats.org/presentationml/2006/main" showMasterSp="0">
+  <p:cSld>
+    <p:spTree>
+      <p:nvGrpSpPr>
+        <p:cNvPr id="1" name=""/>
+        <p:cNvGrpSpPr/>
+        <p:nvPr/>
+      </p:nvGrpSpPr>
+      <p:grpSpPr>
+        <a:xfrm>
+          <a:off x="0" y="0"/>
+          <a:ext cx="0" cy="0"/>
+          <a:chOff x="0" y="0"/>
+          <a:chExt cx="0" cy="0"/>
+        </a:xfrm>
+      </p:grpSpPr>
+      <p:sp>
+        <p:nvSpPr>
+          <p:cNvPr id="2" name="Title 1"/>
+          <p:cNvSpPr>
+            <a:spLocks noGrp="1"/>
+          </p:cNvSpPr>
+          <p:nvPr>
+            <p:ph type="title"/>
+          </p:nvPr>
+        </p:nvSpPr>
+        <p:spPr/>
+        <p:txBody>
+          <a:bodyPr/>
+          <a:lstStyle/>
+          <a:p>
+            <a:r>
+              <a:rPr lang="en-US" dirty="0" smtClean="0"/>
+              <a:t>Code Snippets</a:t>
+            </a:r>
+            <a:endParaRPr lang="en-US" dirty="0"/>
+          </a:p>
+        </p:txBody>
+      </p:sp>
+      <p:sp>
+        <p:nvSpPr>
+          <p:cNvPr id="3" name="Content Placeholder 2"/>
+          <p:cNvSpPr>
+            <a:spLocks noGrp="1"/>
+          </p:cNvSpPr>
+          <p:nvPr>
+            <p:ph idx="1"/>
+          </p:nvPr>
+        </p:nvSpPr>
+        <p:spPr>
+          <a:xfrm>
+            <a:off x="457200" y="1600200"/>
+            <a:ext cx="8534400" cy="4525963"/>
+          </a:xfrm>
+        </p:spPr>
+        <p:txBody>
+          <a:bodyPr/>
+          <a:lstStyle/>
+          <a:p>
+            <a:r>
+              <a:rPr lang="en-US" dirty="0" err="1" smtClean="0"/>
+              <a:t>Citirea</a:t>
+            </a:r>
+            <a:r>
+              <a:rPr lang="en-US" dirty="0" smtClean="0"/>
+              <a:t> </a:t>
+            </a:r>
+            <a:r>
+              <a:rPr lang="en-US" dirty="0" err="1" smtClean="0"/>
+              <a:t>muchiilor</a:t>
+            </a:r>
+            <a:r>
+              <a:rPr lang="en-US" dirty="0" smtClean="0"/>
+              <a:t> </a:t>
+            </a:r>
+            <a:r>
+              <a:rPr lang="en-US" dirty="0" err="1" smtClean="0"/>
+              <a:t>si</a:t>
+            </a:r>
+            <a:r>
+              <a:rPr lang="en-US" dirty="0" smtClean="0"/>
+              <a:t> </a:t>
+            </a:r>
+            <a:r>
+              <a:rPr lang="en-US" dirty="0" err="1" smtClean="0"/>
+              <a:t>marcarea</a:t>
+            </a:r>
+            <a:r>
+              <a:rPr lang="en-US" dirty="0" smtClean="0"/>
+              <a:t> </a:t>
+            </a:r>
+            <a:r>
+              <a:rPr lang="en-US" dirty="0" err="1" smtClean="0"/>
+              <a:t>drumurilor</a:t>
+            </a:r>
+            <a:r>
+              <a:rPr lang="en-US" dirty="0" smtClean="0"/>
+              <a:t> </a:t>
+            </a:r>
+            <a:r>
+              <a:rPr lang="en-US" dirty="0" err="1" smtClean="0"/>
+              <a:t>intr</a:t>
+            </a:r>
+            <a:r>
+              <a:rPr lang="en-US" dirty="0" smtClean="0"/>
+              <a:t>-o </a:t>
+            </a:r>
+            <a:r>
+              <a:rPr lang="en-US" dirty="0" err="1" smtClean="0"/>
+              <a:t>matrice</a:t>
+            </a:r>
+            <a:r>
+              <a:rPr lang="en-US" dirty="0" smtClean="0"/>
+              <a:t>.</a:t>
+            </a:r>
+          </a:p>
+          <a:p>
+            <a:endParaRPr lang="en-US" dirty="0" smtClean="0"/>
+          </a:p>
+          <a:p>
+            <a:endParaRPr lang="en-US" dirty="0"/>
+          </a:p>
+          <a:p>
+            <a:endParaRPr lang="en-US" dirty="0" smtClean="0"/>
+          </a:p>
+          <a:p>
+            <a:endParaRPr lang="en-US" dirty="0"/>
+          </a:p>
+          <a:p>
+            <a:r>
+              <a:rPr lang="en-US" dirty="0" err="1" smtClean="0"/>
+              <a:t>Citirea</a:t>
+            </a:r>
+            <a:r>
+              <a:rPr lang="en-US" dirty="0" smtClean="0"/>
+              <a:t> </a:t>
+            </a:r>
+            <a:r>
+              <a:rPr lang="en-US" dirty="0" err="1" smtClean="0"/>
+              <a:t>matricii</a:t>
+            </a:r>
+            <a:r>
+              <a:rPr lang="en-US" dirty="0" smtClean="0"/>
+              <a:t> </a:t>
+            </a:r>
+            <a:r>
+              <a:rPr lang="en-US" dirty="0" err="1" smtClean="0"/>
+              <a:t>si</a:t>
+            </a:r>
+            <a:r>
+              <a:rPr lang="en-US" dirty="0" smtClean="0"/>
+              <a:t> </a:t>
+            </a:r>
+            <a:r>
+              <a:rPr lang="en-US" dirty="0" err="1" smtClean="0"/>
+              <a:t>formarea</a:t>
+            </a:r>
+            <a:r>
+              <a:rPr lang="en-US" dirty="0" smtClean="0"/>
+              <a:t> </a:t>
+            </a:r>
+            <a:r>
+              <a:rPr lang="en-US" dirty="0" err="1" smtClean="0"/>
+              <a:t>matricei</a:t>
+            </a:r>
+            <a:r>
+              <a:rPr lang="en-US" dirty="0" smtClean="0"/>
+              <a:t> </a:t>
+            </a:r>
+            <a:r>
+              <a:rPr lang="en-US" dirty="0" err="1" smtClean="0"/>
+              <a:t>pe</a:t>
+            </a:r>
+            <a:r>
+              <a:rPr lang="en-US" dirty="0" smtClean="0"/>
+              <a:t> care o </a:t>
+            </a:r>
+            <a:r>
+              <a:rPr lang="en-US" dirty="0" err="1" smtClean="0"/>
+              <a:t>sa</a:t>
+            </a:r>
+            <a:r>
+              <a:rPr lang="en-US" dirty="0" smtClean="0"/>
+              <a:t> </a:t>
+            </a:r>
+            <a:r>
+              <a:rPr lang="en-US" dirty="0" err="1" smtClean="0"/>
+              <a:t>aplicam</a:t>
+            </a:r>
+            <a:r>
+              <a:rPr lang="en-US" dirty="0" smtClean="0"/>
+              <a:t> </a:t>
+            </a:r>
+            <a:r>
+              <a:rPr lang="en-US" dirty="0" err="1" smtClean="0"/>
+              <a:t>algoritmul</a:t>
+            </a:r>
+            <a:r>
+              <a:rPr lang="en-US" dirty="0" smtClean="0"/>
+              <a:t> Roy-Floyd.</a:t>
+            </a:r>
+            <a:endParaRPr lang="en-US" dirty="0"/>
+          </a:p>
+        </p:txBody>
+      </p:sp>
+      <p:pic>
+        <p:nvPicPr>
+          <p:cNvPr id="1026" name="Picture 2"/>
+          <p:cNvPicPr>
+            <a:picLocks noChangeAspect="1" noChangeArrowheads="1"/>
+          </p:cNvPicPr>
+          <p:nvPr/>
+        </p:nvPicPr>
+        <p:blipFill>
+          <a:blip r:embed="rId2">
+            <a:extLst>
+              <a:ext uri="{28A0092B-C50C-407E-A947-70E740481C1C}">
+                <a14:useLocalDpi xmlns:a14="http://schemas.microsoft.com/office/drawing/2010/main" val="0"/>
+              </a:ext>
+            </a:extLst>
+          </a:blip>
+          <a:srcRect/>
+          <a:stretch>
+            <a:fillRect/>
+          </a:stretch>
+        </p:blipFill>
+        <p:spPr bwMode="auto">
+          <a:xfrm>
+            <a:off x="533400" y="2133600"/>
+            <a:ext cx="6667500" cy="1733550"/>
+          </a:xfrm>
+          <a:prstGeom prst="rect">
+            <a:avLst/>
+          </a:prstGeom>
+          <a:noFill/>
+          <a:ln>
+            <a:noFill/>
+          </a:ln>
+          <a:effectLst/>
+          <a:extLst>
+            <a:ext uri="{909E8E84-426E-40DD-AFC4-6F175D3DCCD1}">
+              <a14:hiddenFill xmlns:a14="http://schemas.microsoft.com/office/drawing/2010/main">
+                <a:solidFill>
+                  <a:schemeClr val="accent1"/>
+                </a:solidFill>
+              </a14:hiddenFill>
+            </a:ext>
+            <a:ext uri="{91240B29-F687-4F45-9708-019B960494DF}">
+              <a14:hiddenLine xmlns:a14="http://schemas.microsoft.com/office/drawing/2010/main" w="9525">
+                <a:solidFill>
+                  <a:schemeClr val="tx1"/>
+                </a:solidFill>
+                <a:miter lim="800000"/>
+                <a:headEnd/>
+                <a:tailEnd/>
+              </a14:hiddenLine>
+            </a:ext>
+            <a:ext uri="{AF507438-7753-43E0-B8FC-AC1667EBCBE1}">
+              <a14:hiddenEffects xmlns:a14="http://schemas.microsoft.com/office/drawing/2010/main">
+                <a:effectLst>
+                  <a:outerShdw dist="35921" dir="2700000" algn="ctr" rotWithShape="0">
+                    <a:schemeClr val="bg2"/>
+                  </a:outerShdw>
+                </a:effectLst>
+              </a14:hiddenEffects>
+            </a:ext>
+          </a:extLst>
+        </p:spPr>
+      </p:pic>
+      <p:pic>
+        <p:nvPicPr>
+          <p:cNvPr id="1027" name="Picture 3"/>
+          <p:cNvPicPr>
+            <a:picLocks noChangeAspect="1" noChangeArrowheads="1"/>
+          </p:cNvPicPr>
+          <p:nvPr/>
+        </p:nvPicPr>
+        <p:blipFill>
+          <a:blip r:embed="rId3">
+            <a:extLst>
+              <a:ext uri="{28A0092B-C50C-407E-A947-70E740481C1C}">
+                <a14:useLocalDpi xmlns:a14="http://schemas.microsoft.com/office/drawing/2010/main" val="0"/>
+              </a:ext>
+            </a:extLst>
+          </a:blip>
+          <a:srcRect/>
+          <a:stretch>
+            <a:fillRect/>
+          </a:stretch>
+        </p:blipFill>
+        <p:spPr bwMode="auto">
+          <a:xfrm>
+            <a:off x="533400" y="4724400"/>
+            <a:ext cx="6657975" cy="1971675"/>
+          </a:xfrm>
+          <a:prstGeom prst="rect">
+            <a:avLst/>
+          </a:prstGeom>
+          <a:noFill/>
+          <a:ln>
+            <a:noFill/>
+          </a:ln>
+          <a:effectLst/>
+          <a:extLst>
+            <a:ext uri="{909E8E84-426E-40DD-AFC4-6F175D3DCCD1}">
+              <a14:hiddenFill xmlns:a14="http://schemas.microsoft.com/office/drawing/2010/main">
+                <a:solidFill>
+                  <a:schemeClr val="accent1"/>
+                </a:solidFill>
+              </a14:hiddenFill>
+            </a:ext>
+            <a:ext uri="{91240B29-F687-4F45-9708-019B960494DF}">
+              <a14:hiddenLine xmlns:a14="http://schemas.microsoft.com/office/drawing/2010/main" w="9525">
+                <a:solidFill>
+                  <a:schemeClr val="tx1"/>
+                </a:solidFill>
+                <a:miter lim="800000"/>
+                <a:headEnd/>
+                <a:tailEnd/>
+              </a14:hiddenLine>
+            </a:ext>
+            <a:ext uri="{AF507438-7753-43E0-B8FC-AC1667EBCBE1}">
+              <a14:hiddenEffects xmlns:a14="http://schemas.microsoft.com/office/drawing/2010/main">
+                <a:effectLst>
+                  <a:outerShdw dist="35921" dir="2700000" algn="ctr" rotWithShape="0">
+                    <a:schemeClr val="bg2"/>
+                  </a:outerShdw>
+                </a:effectLst>
+              </a14:hiddenEffects>
+            </a:ext>
+          </a:extLst>
+        </p:spPr>
+      </p:pic>
+    </p:spTree>
+    <p:extLst>
+      <p:ext uri="{BB962C8B-B14F-4D97-AF65-F5344CB8AC3E}">
+        <p14:creationId xmlns:p14="http://schemas.microsoft.com/office/powerpoint/2010/main" val="2187278813"/>
+      </p:ext>
+    </p:extLst>
+  </p:cSld>
+  <p:clrMapOvr>
+    <a:masterClrMapping/>
+  </p:clrMapOvr>
+  <p:timing>
+    <p:tnLst>
+      <p:par>
+        <p:cTn id="1" dur="indefinite" restart="never" nodeType="tmRoot"/>
+      </p:par>
+    </p:tnLst>
+  </p:timing>
+</p:sld>
+</file>
+
 <file path=ppt/theme/theme1.xml><?xml version="1.0" encoding="utf-8"?>
 <a:theme xmlns:a="http://schemas.openxmlformats.org/drawingml/2006/main" name="Executive">
   <a:themeElements>
-    <a:clrScheme name="Executive">
+    <a:clrScheme name="Office">
       <a:dk1>
         <a:sysClr val="windowText" lastClr="000000"/>
       </a:dk1>
@@ -6492,34 +7602,34 @@
         <a:sysClr val="window" lastClr="FFFFFF"/>
       </a:lt1>
       <a:dk2>
-        <a:srgbClr val="2F5897"/>
+        <a:srgbClr val="1F497D"/>
       </a:dk2>
       <a:lt2>
-        <a:srgbClr val="E4E9EF"/>
+        <a:srgbClr val="EEECE1"/>
       </a:lt2>
       <a:accent1>
-        <a:srgbClr val="6076B4"/>
+        <a:srgbClr val="4F81BD"/>
       </a:accent1>
       <a:accent2>
-        <a:srgbClr val="9C5252"/>
+        <a:srgbClr val="C0504D"/>
       </a:accent2>
       <a:accent3>
-        <a:srgbClr val="E68422"/>
+        <a:srgbClr val="9BBB59"/>
       </a:accent3>
       <a:accent4>
-        <a:srgbClr val="846648"/>
+        <a:srgbClr val="8064A2"/>
       </a:accent4>
       <a:accent5>
-        <a:srgbClr val="63891F"/>
+        <a:srgbClr val="4BACC6"/>
       </a:accent5>
       <a:accent6>
-        <a:srgbClr val="758085"/>
+        <a:srgbClr val="F79646"/>
       </a:accent6>
       <a:hlink>
-        <a:srgbClr val="3399FF"/>
+        <a:srgbClr val="0000FF"/>
       </a:hlink>
       <a:folHlink>
-        <a:srgbClr val="B2B2B2"/>
+        <a:srgbClr val="800080"/>
       </a:folHlink>
     </a:clrScheme>
     <a:fontScheme name="Executive">
